--- a/practice/2 HR практикум.pptx
+++ b/practice/2 HR практикум.pptx
@@ -8,13 +8,14 @@
     <p:sldId id="265" r:id="rId2"/>
     <p:sldId id="259" r:id="rId3"/>
     <p:sldId id="260" r:id="rId4"/>
-    <p:sldId id="263" r:id="rId5"/>
-    <p:sldId id="267" r:id="rId6"/>
-    <p:sldId id="266" r:id="rId7"/>
-    <p:sldId id="268" r:id="rId8"/>
-    <p:sldId id="261" r:id="rId9"/>
-    <p:sldId id="262" r:id="rId10"/>
-    <p:sldId id="264" r:id="rId11"/>
+    <p:sldId id="269" r:id="rId5"/>
+    <p:sldId id="263" r:id="rId6"/>
+    <p:sldId id="267" r:id="rId7"/>
+    <p:sldId id="266" r:id="rId8"/>
+    <p:sldId id="268" r:id="rId9"/>
+    <p:sldId id="261" r:id="rId10"/>
+    <p:sldId id="262" r:id="rId11"/>
+    <p:sldId id="264" r:id="rId12"/>
   </p:sldIdLst>
   <p:sldSz cx="12192000" cy="6858000"/>
   <p:notesSz cx="6858000" cy="9144000"/>
@@ -306,7 +307,7 @@
           <a:p>
             <a:fld id="{88D38747-4367-4BD2-8D51-C97E202738E2}" type="datetime1">
               <a:rPr lang="en-US" smtClean="0"/>
-              <a:t>11/14/2024</a:t>
+              <a:t>12/7/2024</a:t>
             </a:fld>
             <a:endParaRPr lang="en-US" dirty="0"/>
           </a:p>
@@ -611,7 +612,7 @@
           <a:p>
             <a:fld id="{11F1B079-7EF0-44EE-B798-BCC497C9F3B2}" type="datetime1">
               <a:rPr lang="en-US" smtClean="0"/>
-              <a:t>11/14/2024</a:t>
+              <a:t>12/7/2024</a:t>
             </a:fld>
             <a:endParaRPr lang="en-US" dirty="0"/>
           </a:p>
@@ -805,7 +806,7 @@
           <a:p>
             <a:fld id="{28FF70A8-1D13-4657-95F0-A9EA54967B8D}" type="datetime1">
               <a:rPr lang="en-US" smtClean="0"/>
-              <a:t>11/14/2024</a:t>
+              <a:t>12/7/2024</a:t>
             </a:fld>
             <a:endParaRPr lang="en-US" dirty="0"/>
           </a:p>
@@ -1068,7 +1069,7 @@
           <a:p>
             <a:fld id="{21EB90AC-71BD-4C7F-8ACA-7B3F18292E63}" type="datetime1">
               <a:rPr lang="en-US" smtClean="0"/>
-              <a:t>11/14/2024</a:t>
+              <a:t>12/7/2024</a:t>
             </a:fld>
             <a:endParaRPr lang="en-US" dirty="0"/>
           </a:p>
@@ -1504,7 +1505,7 @@
           <a:p>
             <a:fld id="{4E6EFC2C-8905-46F0-B443-CE905B76BA01}" type="datetime1">
               <a:rPr lang="en-US" smtClean="0"/>
-              <a:t>11/14/2024</a:t>
+              <a:t>12/7/2024</a:t>
             </a:fld>
             <a:endParaRPr lang="en-US" dirty="0"/>
           </a:p>
@@ -2041,7 +2042,7 @@
           <a:p>
             <a:fld id="{D9079DC3-C9B5-499E-9140-0DC28B7074E2}" type="datetime1">
               <a:rPr lang="en-US" smtClean="0"/>
-              <a:t>11/14/2024</a:t>
+              <a:t>12/7/2024</a:t>
             </a:fld>
             <a:endParaRPr lang="en-US" dirty="0"/>
           </a:p>
@@ -2923,7 +2924,7 @@
           <a:p>
             <a:fld id="{30BB33EA-E472-4D22-9C03-A9C14AA21CED}" type="datetime1">
               <a:rPr lang="en-US" smtClean="0"/>
-              <a:t>11/14/2024</a:t>
+              <a:t>12/7/2024</a:t>
             </a:fld>
             <a:endParaRPr lang="en-US" dirty="0"/>
           </a:p>
@@ -3093,7 +3094,7 @@
           <a:p>
             <a:fld id="{217E833E-1B6D-415F-AD29-75AE8C43BD0D}" type="datetime1">
               <a:rPr lang="en-US" smtClean="0"/>
-              <a:t>11/14/2024</a:t>
+              <a:t>12/7/2024</a:t>
             </a:fld>
             <a:endParaRPr lang="en-US" dirty="0"/>
           </a:p>
@@ -3277,7 +3278,7 @@
           <a:p>
             <a:fld id="{8452596F-08A7-4B70-989A-F2B1CF31E66B}" type="datetime1">
               <a:rPr lang="en-US" smtClean="0"/>
-              <a:t>11/14/2024</a:t>
+              <a:t>12/7/2024</a:t>
             </a:fld>
             <a:endParaRPr lang="en-US" dirty="0"/>
           </a:p>
@@ -3447,7 +3448,7 @@
           <a:p>
             <a:fld id="{73C55A3C-5767-4844-A0A3-83778C2E5409}" type="datetime1">
               <a:rPr lang="en-US" smtClean="0"/>
-              <a:t>11/14/2024</a:t>
+              <a:t>12/7/2024</a:t>
             </a:fld>
             <a:endParaRPr lang="en-US" dirty="0"/>
           </a:p>
@@ -3691,7 +3692,7 @@
           <a:p>
             <a:fld id="{CAE507A8-A5CF-4D38-AB86-7EDDA87A85D4}" type="datetime1">
               <a:rPr lang="en-US" smtClean="0"/>
-              <a:t>11/14/2024</a:t>
+              <a:t>12/7/2024</a:t>
             </a:fld>
             <a:endParaRPr lang="en-US" dirty="0"/>
           </a:p>
@@ -3933,7 +3934,7 @@
           <a:p>
             <a:fld id="{BDFCD27C-8599-43EF-BA1D-14DDC1946E06}" type="datetime1">
               <a:rPr lang="en-US" smtClean="0"/>
-              <a:t>11/14/2024</a:t>
+              <a:t>12/7/2024</a:t>
             </a:fld>
             <a:endParaRPr lang="en-US" dirty="0"/>
           </a:p>
@@ -4416,7 +4417,7 @@
           <a:p>
             <a:fld id="{49343D99-809A-49C0-96E5-4250D0B498EE}" type="datetime1">
               <a:rPr lang="en-US" smtClean="0"/>
-              <a:t>11/14/2024</a:t>
+              <a:t>12/7/2024</a:t>
             </a:fld>
             <a:endParaRPr lang="en-US" dirty="0"/>
           </a:p>
@@ -4534,7 +4535,7 @@
           <a:p>
             <a:fld id="{A143DE9B-B678-4EFB-BB7D-A4370204A0B0}" type="datetime1">
               <a:rPr lang="en-US" smtClean="0"/>
-              <a:t>11/14/2024</a:t>
+              <a:t>12/7/2024</a:t>
             </a:fld>
             <a:endParaRPr lang="en-US" dirty="0"/>
           </a:p>
@@ -4629,7 +4630,7 @@
           <a:p>
             <a:fld id="{E68812DA-F765-4142-A6A3-A8ED7235E082}" type="datetime1">
               <a:rPr lang="en-US" smtClean="0"/>
-              <a:t>11/14/2024</a:t>
+              <a:t>12/7/2024</a:t>
             </a:fld>
             <a:endParaRPr lang="en-US" dirty="0"/>
           </a:p>
@@ -4884,7 +4885,7 @@
           <a:p>
             <a:fld id="{3E0277FD-7DE6-41D4-930D-AC99F5AFE54E}" type="datetime1">
               <a:rPr lang="en-US" smtClean="0"/>
-              <a:t>11/14/2024</a:t>
+              <a:t>12/7/2024</a:t>
             </a:fld>
             <a:endParaRPr lang="en-US" dirty="0"/>
           </a:p>
@@ -5191,7 +5192,7 @@
           <a:p>
             <a:fld id="{9EA15526-7079-4B7B-987C-1B5FAE11A0FF}" type="datetime1">
               <a:rPr lang="en-US" smtClean="0"/>
-              <a:t>11/14/2024</a:t>
+              <a:t>12/7/2024</a:t>
             </a:fld>
             <a:endParaRPr lang="en-US" dirty="0"/>
           </a:p>
@@ -5426,7 +5427,7 @@
           <a:p>
             <a:fld id="{073ED0CC-082F-4160-86E5-0D6041F12778}" type="datetime1">
               <a:rPr lang="en-US" smtClean="0"/>
-              <a:t>11/14/2024</a:t>
+              <a:t>12/7/2024</a:t>
             </a:fld>
             <a:endParaRPr lang="en-US" dirty="0"/>
           </a:p>
@@ -6267,6 +6268,146 @@
           </a:p>
         </p:txBody>
       </p:sp>
+      <p:pic>
+        <p:nvPicPr>
+          <p:cNvPr id="5" name="Picture 4">
+            <a:extLst>
+              <a:ext uri="{FF2B5EF4-FFF2-40B4-BE49-F238E27FC236}">
+                <a16:creationId xmlns:a16="http://schemas.microsoft.com/office/drawing/2014/main" id="{E5CEE64D-CFD9-4742-B4F1-C44D6D0DE556}"/>
+              </a:ext>
+            </a:extLst>
+          </p:cNvPr>
+          <p:cNvPicPr>
+            <a:picLocks noChangeAspect="1"/>
+          </p:cNvPicPr>
+          <p:nvPr/>
+        </p:nvPicPr>
+        <p:blipFill>
+          <a:blip r:embed="rId2"/>
+          <a:stretch>
+            <a:fillRect/>
+          </a:stretch>
+        </p:blipFill>
+        <p:spPr>
+          <a:xfrm>
+            <a:off x="924443" y="1066801"/>
+            <a:ext cx="10545924" cy="1257300"/>
+          </a:xfrm>
+          <a:prstGeom prst="rect">
+            <a:avLst/>
+          </a:prstGeom>
+        </p:spPr>
+      </p:pic>
+      <p:pic>
+        <p:nvPicPr>
+          <p:cNvPr id="7" name="Picture 6">
+            <a:extLst>
+              <a:ext uri="{FF2B5EF4-FFF2-40B4-BE49-F238E27FC236}">
+                <a16:creationId xmlns:a16="http://schemas.microsoft.com/office/drawing/2014/main" id="{263D9753-46E6-449B-9F48-6E7F889C0BEE}"/>
+              </a:ext>
+            </a:extLst>
+          </p:cNvPr>
+          <p:cNvPicPr>
+            <a:picLocks noChangeAspect="1"/>
+          </p:cNvPicPr>
+          <p:nvPr/>
+        </p:nvPicPr>
+        <p:blipFill>
+          <a:blip r:embed="rId3"/>
+          <a:stretch>
+            <a:fillRect/>
+          </a:stretch>
+        </p:blipFill>
+        <p:spPr>
+          <a:xfrm>
+            <a:off x="2426334" y="3131342"/>
+            <a:ext cx="7328683" cy="938213"/>
+          </a:xfrm>
+          <a:prstGeom prst="rect">
+            <a:avLst/>
+          </a:prstGeom>
+        </p:spPr>
+      </p:pic>
+    </p:spTree>
+    <p:extLst>
+      <p:ext uri="{BB962C8B-B14F-4D97-AF65-F5344CB8AC3E}">
+        <p14:creationId xmlns:p14="http://schemas.microsoft.com/office/powerpoint/2010/main" val="218800186"/>
+      </p:ext>
+    </p:extLst>
+  </p:cSld>
+  <p:clrMapOvr>
+    <a:masterClrMapping/>
+  </p:clrMapOvr>
+</p:sld>
+</file>
+
+<file path=ppt/slides/slide11.xml><?xml version="1.0" encoding="utf-8"?>
+<p:sld xmlns:a="http://schemas.openxmlformats.org/drawingml/2006/main" xmlns:r="http://schemas.openxmlformats.org/officeDocument/2006/relationships" xmlns:p="http://schemas.openxmlformats.org/presentationml/2006/main">
+  <p:cSld>
+    <p:spTree>
+      <p:nvGrpSpPr>
+        <p:cNvPr id="1" name=""/>
+        <p:cNvGrpSpPr/>
+        <p:nvPr/>
+      </p:nvGrpSpPr>
+      <p:grpSpPr>
+        <a:xfrm>
+          <a:off x="0" y="0"/>
+          <a:ext cx="0" cy="0"/>
+          <a:chOff x="0" y="0"/>
+          <a:chExt cx="0" cy="0"/>
+        </a:xfrm>
+      </p:grpSpPr>
+      <p:sp>
+        <p:nvSpPr>
+          <p:cNvPr id="2" name="Title 1">
+            <a:extLst>
+              <a:ext uri="{FF2B5EF4-FFF2-40B4-BE49-F238E27FC236}">
+                <a16:creationId xmlns:a16="http://schemas.microsoft.com/office/drawing/2014/main" id="{24EE576E-3A15-4101-84B8-CF9EBC308BA4}"/>
+              </a:ext>
+            </a:extLst>
+          </p:cNvPr>
+          <p:cNvSpPr>
+            <a:spLocks noGrp="1"/>
+          </p:cNvSpPr>
+          <p:nvPr>
+            <p:ph type="title"/>
+          </p:nvPr>
+        </p:nvSpPr>
+        <p:spPr/>
+        <p:txBody>
+          <a:bodyPr/>
+          <a:lstStyle/>
+          <a:p>
+            <a:endParaRPr lang="ru-KZ"/>
+          </a:p>
+        </p:txBody>
+      </p:sp>
+      <p:sp>
+        <p:nvSpPr>
+          <p:cNvPr id="3" name="Content Placeholder 2">
+            <a:extLst>
+              <a:ext uri="{FF2B5EF4-FFF2-40B4-BE49-F238E27FC236}">
+                <a16:creationId xmlns:a16="http://schemas.microsoft.com/office/drawing/2014/main" id="{7CA9E985-826B-4814-AF3C-F73F44F9BC51}"/>
+              </a:ext>
+            </a:extLst>
+          </p:cNvPr>
+          <p:cNvSpPr>
+            <a:spLocks noGrp="1"/>
+          </p:cNvSpPr>
+          <p:nvPr>
+            <p:ph idx="1"/>
+          </p:nvPr>
+        </p:nvSpPr>
+        <p:spPr/>
+        <p:txBody>
+          <a:bodyPr/>
+          <a:lstStyle/>
+          <a:p>
+            <a:endParaRPr lang="ru-KZ"/>
+          </a:p>
+        </p:txBody>
+      </p:sp>
     </p:spTree>
     <p:extLst>
       <p:ext uri="{BB962C8B-B14F-4D97-AF65-F5344CB8AC3E}">
@@ -6546,7 +6687,7 @@
           <p:cNvPr id="2" name="Title 1">
             <a:extLst>
               <a:ext uri="{FF2B5EF4-FFF2-40B4-BE49-F238E27FC236}">
-                <a16:creationId xmlns:a16="http://schemas.microsoft.com/office/drawing/2014/main" id="{24EE576E-3A15-4101-84B8-CF9EBC308BA4}"/>
+                <a16:creationId xmlns:a16="http://schemas.microsoft.com/office/drawing/2014/main" id="{CF3BB3EE-C464-4D10-A08E-F7AD00219205}"/>
               </a:ext>
             </a:extLst>
           </p:cNvPr>
@@ -6557,23 +6698,12 @@
             <p:ph type="title"/>
           </p:nvPr>
         </p:nvSpPr>
-        <p:spPr>
-          <a:xfrm>
-            <a:off x="924443" y="1066801"/>
-            <a:ext cx="10353762" cy="1257300"/>
-          </a:xfrm>
-        </p:spPr>
-        <p:txBody>
-          <a:bodyPr>
-            <a:normAutofit fontScale="90000"/>
-          </a:bodyPr>
-          <a:lstStyle/>
-          <a:p>
-            <a:r>
-              <a:rPr lang="ru-RU" dirty="0"/>
-              <a:t>Грейд (от англ. grade, оценка) — это оценка уровня IT-специалиста, основанная на его hard-skills, soft-skills, опыте и степени самостоятельности</a:t>
-            </a:r>
-            <a:endParaRPr lang="ru-KZ" dirty="0"/>
+        <p:spPr/>
+        <p:txBody>
+          <a:bodyPr/>
+          <a:lstStyle/>
+          <a:p>
+            <a:endParaRPr lang="ru-KZ"/>
           </a:p>
         </p:txBody>
       </p:sp>
@@ -6582,7 +6712,7 @@
           <p:cNvPr id="3" name="Content Placeholder 2">
             <a:extLst>
               <a:ext uri="{FF2B5EF4-FFF2-40B4-BE49-F238E27FC236}">
-                <a16:creationId xmlns:a16="http://schemas.microsoft.com/office/drawing/2014/main" id="{7CA9E985-826B-4814-AF3C-F73F44F9BC51}"/>
+                <a16:creationId xmlns:a16="http://schemas.microsoft.com/office/drawing/2014/main" id="{7AB638B1-B7D3-45FC-833A-9CE081243D71}"/>
               </a:ext>
             </a:extLst>
           </p:cNvPr>
@@ -6598,17 +6728,61 @@
           <a:bodyPr/>
           <a:lstStyle/>
           <a:p>
-            <a:pPr marL="36900" indent="0">
-              <a:buNone/>
-            </a:pPr>
-            <a:endParaRPr lang="ru-KZ" dirty="0"/>
-          </a:p>
-        </p:txBody>
-      </p:sp>
+            <a:endParaRPr lang="ru-KZ"/>
+          </a:p>
+        </p:txBody>
+      </p:sp>
+      <p:pic>
+        <p:nvPicPr>
+          <p:cNvPr id="1026" name="Picture 2" descr="Hard Skills vs Soft Skills: Differences and 45 Examples">
+            <a:extLst>
+              <a:ext uri="{FF2B5EF4-FFF2-40B4-BE49-F238E27FC236}">
+                <a16:creationId xmlns:a16="http://schemas.microsoft.com/office/drawing/2014/main" id="{D8FF1C79-55BE-4998-8CE4-4A1CC4C30AD3}"/>
+              </a:ext>
+            </a:extLst>
+          </p:cNvPr>
+          <p:cNvPicPr>
+            <a:picLocks noChangeAspect="1" noChangeArrowheads="1"/>
+          </p:cNvPicPr>
+          <p:nvPr/>
+        </p:nvPicPr>
+        <p:blipFill>
+          <a:blip r:embed="rId2">
+            <a:extLst>
+              <a:ext uri="{28A0092B-C50C-407E-A947-70E740481C1C}">
+                <a14:useLocalDpi xmlns:a14="http://schemas.microsoft.com/office/drawing/2010/main" val="0"/>
+              </a:ext>
+            </a:extLst>
+          </a:blip>
+          <a:srcRect/>
+          <a:stretch>
+            <a:fillRect/>
+          </a:stretch>
+        </p:blipFill>
+        <p:spPr bwMode="auto">
+          <a:xfrm>
+            <a:off x="581588" y="770202"/>
+            <a:ext cx="11018175" cy="5317595"/>
+          </a:xfrm>
+          <a:prstGeom prst="rect">
+            <a:avLst/>
+          </a:prstGeom>
+          <a:noFill/>
+          <a:extLst>
+            <a:ext uri="{909E8E84-426E-40DD-AFC4-6F175D3DCCD1}">
+              <a14:hiddenFill xmlns:a14="http://schemas.microsoft.com/office/drawing/2010/main">
+                <a:solidFill>
+                  <a:srgbClr val="FFFFFF"/>
+                </a:solidFill>
+              </a14:hiddenFill>
+            </a:ext>
+          </a:extLst>
+        </p:spPr>
+      </p:pic>
     </p:spTree>
     <p:extLst>
       <p:ext uri="{BB962C8B-B14F-4D97-AF65-F5344CB8AC3E}">
-        <p14:creationId xmlns:p14="http://schemas.microsoft.com/office/powerpoint/2010/main" val="4217178528"/>
+        <p14:creationId xmlns:p14="http://schemas.microsoft.com/office/powerpoint/2010/main" val="279124320"/>
       </p:ext>
     </p:extLst>
   </p:cSld>
@@ -6640,7 +6814,7 @@
           <p:cNvPr id="2" name="Title 1">
             <a:extLst>
               <a:ext uri="{FF2B5EF4-FFF2-40B4-BE49-F238E27FC236}">
-                <a16:creationId xmlns:a16="http://schemas.microsoft.com/office/drawing/2014/main" id="{57F7A83D-E7F7-47A2-8C63-8D14D1E0445B}"/>
+                <a16:creationId xmlns:a16="http://schemas.microsoft.com/office/drawing/2014/main" id="{24EE576E-3A15-4101-84B8-CF9EBC308BA4}"/>
               </a:ext>
             </a:extLst>
           </p:cNvPr>
@@ -6651,14 +6825,21 @@
             <p:ph type="title"/>
           </p:nvPr>
         </p:nvSpPr>
-        <p:spPr/>
-        <p:txBody>
-          <a:bodyPr/>
-          <a:lstStyle/>
-          <a:p>
-            <a:r>
-              <a:rPr lang="en-GB" dirty="0"/>
-              <a:t>Monkeytype.com</a:t>
+        <p:spPr>
+          <a:xfrm>
+            <a:off x="924443" y="1066801"/>
+            <a:ext cx="10353762" cy="1257300"/>
+          </a:xfrm>
+        </p:spPr>
+        <p:txBody>
+          <a:bodyPr>
+            <a:normAutofit fontScale="90000"/>
+          </a:bodyPr>
+          <a:lstStyle/>
+          <a:p>
+            <a:r>
+              <a:rPr lang="ru-RU" dirty="0"/>
+              <a:t>Грейд (от англ. grade, оценка) — это оценка уровня IT-специалиста, основанная на его hard-skills, soft-skills, опыте и степени самостоятельности</a:t>
             </a:r>
             <a:endParaRPr lang="ru-KZ" dirty="0"/>
           </a:p>
@@ -6669,7 +6850,7 @@
           <p:cNvPr id="3" name="Content Placeholder 2">
             <a:extLst>
               <a:ext uri="{FF2B5EF4-FFF2-40B4-BE49-F238E27FC236}">
-                <a16:creationId xmlns:a16="http://schemas.microsoft.com/office/drawing/2014/main" id="{A67A64D9-0BF3-4421-932C-30DBB8AB89BA}"/>
+                <a16:creationId xmlns:a16="http://schemas.microsoft.com/office/drawing/2014/main" id="{7CA9E985-826B-4814-AF3C-F73F44F9BC51}"/>
               </a:ext>
             </a:extLst>
           </p:cNvPr>
@@ -6685,14 +6866,17 @@
           <a:bodyPr/>
           <a:lstStyle/>
           <a:p>
-            <a:endParaRPr lang="ru-KZ"/>
+            <a:pPr marL="36900" indent="0">
+              <a:buNone/>
+            </a:pPr>
+            <a:endParaRPr lang="ru-KZ" dirty="0"/>
           </a:p>
         </p:txBody>
       </p:sp>
     </p:spTree>
     <p:extLst>
       <p:ext uri="{BB962C8B-B14F-4D97-AF65-F5344CB8AC3E}">
-        <p14:creationId xmlns:p14="http://schemas.microsoft.com/office/powerpoint/2010/main" val="2688147029"/>
+        <p14:creationId xmlns:p14="http://schemas.microsoft.com/office/powerpoint/2010/main" val="4217178528"/>
       </p:ext>
     </p:extLst>
   </p:cSld>
@@ -6721,6 +6905,90 @@
       </p:grpSpPr>
       <p:sp>
         <p:nvSpPr>
+          <p:cNvPr id="2" name="Title 1">
+            <a:extLst>
+              <a:ext uri="{FF2B5EF4-FFF2-40B4-BE49-F238E27FC236}">
+                <a16:creationId xmlns:a16="http://schemas.microsoft.com/office/drawing/2014/main" id="{57F7A83D-E7F7-47A2-8C63-8D14D1E0445B}"/>
+              </a:ext>
+            </a:extLst>
+          </p:cNvPr>
+          <p:cNvSpPr>
+            <a:spLocks noGrp="1"/>
+          </p:cNvSpPr>
+          <p:nvPr>
+            <p:ph type="title"/>
+          </p:nvPr>
+        </p:nvSpPr>
+        <p:spPr/>
+        <p:txBody>
+          <a:bodyPr/>
+          <a:lstStyle/>
+          <a:p>
+            <a:r>
+              <a:rPr lang="en-GB" dirty="0"/>
+              <a:t>Monkeytype.com</a:t>
+            </a:r>
+            <a:endParaRPr lang="ru-KZ" dirty="0"/>
+          </a:p>
+        </p:txBody>
+      </p:sp>
+      <p:sp>
+        <p:nvSpPr>
+          <p:cNvPr id="3" name="Content Placeholder 2">
+            <a:extLst>
+              <a:ext uri="{FF2B5EF4-FFF2-40B4-BE49-F238E27FC236}">
+                <a16:creationId xmlns:a16="http://schemas.microsoft.com/office/drawing/2014/main" id="{A67A64D9-0BF3-4421-932C-30DBB8AB89BA}"/>
+              </a:ext>
+            </a:extLst>
+          </p:cNvPr>
+          <p:cNvSpPr>
+            <a:spLocks noGrp="1"/>
+          </p:cNvSpPr>
+          <p:nvPr>
+            <p:ph idx="1"/>
+          </p:nvPr>
+        </p:nvSpPr>
+        <p:spPr/>
+        <p:txBody>
+          <a:bodyPr/>
+          <a:lstStyle/>
+          <a:p>
+            <a:endParaRPr lang="ru-KZ"/>
+          </a:p>
+        </p:txBody>
+      </p:sp>
+    </p:spTree>
+    <p:extLst>
+      <p:ext uri="{BB962C8B-B14F-4D97-AF65-F5344CB8AC3E}">
+        <p14:creationId xmlns:p14="http://schemas.microsoft.com/office/powerpoint/2010/main" val="2688147029"/>
+      </p:ext>
+    </p:extLst>
+  </p:cSld>
+  <p:clrMapOvr>
+    <a:masterClrMapping/>
+  </p:clrMapOvr>
+</p:sld>
+</file>
+
+<file path=ppt/slides/slide7.xml><?xml version="1.0" encoding="utf-8"?>
+<p:sld xmlns:a="http://schemas.openxmlformats.org/drawingml/2006/main" xmlns:r="http://schemas.openxmlformats.org/officeDocument/2006/relationships" xmlns:p="http://schemas.openxmlformats.org/presentationml/2006/main">
+  <p:cSld>
+    <p:spTree>
+      <p:nvGrpSpPr>
+        <p:cNvPr id="1" name=""/>
+        <p:cNvGrpSpPr/>
+        <p:nvPr/>
+      </p:nvGrpSpPr>
+      <p:grpSpPr>
+        <a:xfrm>
+          <a:off x="0" y="0"/>
+          <a:ext cx="0" cy="0"/>
+          <a:chOff x="0" y="0"/>
+          <a:chExt cx="0" cy="0"/>
+        </a:xfrm>
+      </p:grpSpPr>
+      <p:sp>
+        <p:nvSpPr>
           <p:cNvPr id="3" name="Content Placeholder 2">
             <a:extLst>
               <a:ext uri="{FF2B5EF4-FFF2-40B4-BE49-F238E27FC236}">
@@ -6874,7 +7142,7 @@
 </p:sld>
 </file>
 
-<file path=ppt/slides/slide7.xml><?xml version="1.0" encoding="utf-8"?>
+<file path=ppt/slides/slide8.xml><?xml version="1.0" encoding="utf-8"?>
 <p:sld xmlns:a="http://schemas.openxmlformats.org/drawingml/2006/main" xmlns:r="http://schemas.openxmlformats.org/officeDocument/2006/relationships" xmlns:p="http://schemas.openxmlformats.org/presentationml/2006/main">
   <p:cSld>
     <p:spTree>
@@ -7001,7 +7269,7 @@
 </p:sld>
 </file>
 
-<file path=ppt/slides/slide8.xml><?xml version="1.0" encoding="utf-8"?>
+<file path=ppt/slides/slide9.xml><?xml version="1.0" encoding="utf-8"?>
 <p:sld xmlns:a="http://schemas.openxmlformats.org/drawingml/2006/main" xmlns:r="http://schemas.openxmlformats.org/officeDocument/2006/relationships" xmlns:p="http://schemas.openxmlformats.org/presentationml/2006/main">
   <p:cSld>
     <p:spTree>
@@ -7132,146 +7400,6 @@
     <p:extLst>
       <p:ext uri="{BB962C8B-B14F-4D97-AF65-F5344CB8AC3E}">
         <p14:creationId xmlns:p14="http://schemas.microsoft.com/office/powerpoint/2010/main" val="2672697081"/>
-      </p:ext>
-    </p:extLst>
-  </p:cSld>
-  <p:clrMapOvr>
-    <a:masterClrMapping/>
-  </p:clrMapOvr>
-</p:sld>
-</file>
-
-<file path=ppt/slides/slide9.xml><?xml version="1.0" encoding="utf-8"?>
-<p:sld xmlns:a="http://schemas.openxmlformats.org/drawingml/2006/main" xmlns:r="http://schemas.openxmlformats.org/officeDocument/2006/relationships" xmlns:p="http://schemas.openxmlformats.org/presentationml/2006/main">
-  <p:cSld>
-    <p:spTree>
-      <p:nvGrpSpPr>
-        <p:cNvPr id="1" name=""/>
-        <p:cNvGrpSpPr/>
-        <p:nvPr/>
-      </p:nvGrpSpPr>
-      <p:grpSpPr>
-        <a:xfrm>
-          <a:off x="0" y="0"/>
-          <a:ext cx="0" cy="0"/>
-          <a:chOff x="0" y="0"/>
-          <a:chExt cx="0" cy="0"/>
-        </a:xfrm>
-      </p:grpSpPr>
-      <p:sp>
-        <p:nvSpPr>
-          <p:cNvPr id="2" name="Title 1">
-            <a:extLst>
-              <a:ext uri="{FF2B5EF4-FFF2-40B4-BE49-F238E27FC236}">
-                <a16:creationId xmlns:a16="http://schemas.microsoft.com/office/drawing/2014/main" id="{24EE576E-3A15-4101-84B8-CF9EBC308BA4}"/>
-              </a:ext>
-            </a:extLst>
-          </p:cNvPr>
-          <p:cNvSpPr>
-            <a:spLocks noGrp="1"/>
-          </p:cNvSpPr>
-          <p:nvPr>
-            <p:ph type="title"/>
-          </p:nvPr>
-        </p:nvSpPr>
-        <p:spPr/>
-        <p:txBody>
-          <a:bodyPr/>
-          <a:lstStyle/>
-          <a:p>
-            <a:endParaRPr lang="ru-KZ"/>
-          </a:p>
-        </p:txBody>
-      </p:sp>
-      <p:sp>
-        <p:nvSpPr>
-          <p:cNvPr id="3" name="Content Placeholder 2">
-            <a:extLst>
-              <a:ext uri="{FF2B5EF4-FFF2-40B4-BE49-F238E27FC236}">
-                <a16:creationId xmlns:a16="http://schemas.microsoft.com/office/drawing/2014/main" id="{7CA9E985-826B-4814-AF3C-F73F44F9BC51}"/>
-              </a:ext>
-            </a:extLst>
-          </p:cNvPr>
-          <p:cNvSpPr>
-            <a:spLocks noGrp="1"/>
-          </p:cNvSpPr>
-          <p:nvPr>
-            <p:ph idx="1"/>
-          </p:nvPr>
-        </p:nvSpPr>
-        <p:spPr/>
-        <p:txBody>
-          <a:bodyPr/>
-          <a:lstStyle/>
-          <a:p>
-            <a:endParaRPr lang="ru-KZ"/>
-          </a:p>
-        </p:txBody>
-      </p:sp>
-      <p:pic>
-        <p:nvPicPr>
-          <p:cNvPr id="5" name="Picture 4">
-            <a:extLst>
-              <a:ext uri="{FF2B5EF4-FFF2-40B4-BE49-F238E27FC236}">
-                <a16:creationId xmlns:a16="http://schemas.microsoft.com/office/drawing/2014/main" id="{E5CEE64D-CFD9-4742-B4F1-C44D6D0DE556}"/>
-              </a:ext>
-            </a:extLst>
-          </p:cNvPr>
-          <p:cNvPicPr>
-            <a:picLocks noChangeAspect="1"/>
-          </p:cNvPicPr>
-          <p:nvPr/>
-        </p:nvPicPr>
-        <p:blipFill>
-          <a:blip r:embed="rId2"/>
-          <a:stretch>
-            <a:fillRect/>
-          </a:stretch>
-        </p:blipFill>
-        <p:spPr>
-          <a:xfrm>
-            <a:off x="924443" y="1066801"/>
-            <a:ext cx="10545924" cy="1257300"/>
-          </a:xfrm>
-          <a:prstGeom prst="rect">
-            <a:avLst/>
-          </a:prstGeom>
-        </p:spPr>
-      </p:pic>
-      <p:pic>
-        <p:nvPicPr>
-          <p:cNvPr id="7" name="Picture 6">
-            <a:extLst>
-              <a:ext uri="{FF2B5EF4-FFF2-40B4-BE49-F238E27FC236}">
-                <a16:creationId xmlns:a16="http://schemas.microsoft.com/office/drawing/2014/main" id="{263D9753-46E6-449B-9F48-6E7F889C0BEE}"/>
-              </a:ext>
-            </a:extLst>
-          </p:cNvPr>
-          <p:cNvPicPr>
-            <a:picLocks noChangeAspect="1"/>
-          </p:cNvPicPr>
-          <p:nvPr/>
-        </p:nvPicPr>
-        <p:blipFill>
-          <a:blip r:embed="rId3"/>
-          <a:stretch>
-            <a:fillRect/>
-          </a:stretch>
-        </p:blipFill>
-        <p:spPr>
-          <a:xfrm>
-            <a:off x="2426334" y="3131342"/>
-            <a:ext cx="7328683" cy="938213"/>
-          </a:xfrm>
-          <a:prstGeom prst="rect">
-            <a:avLst/>
-          </a:prstGeom>
-        </p:spPr>
-      </p:pic>
-    </p:spTree>
-    <p:extLst>
-      <p:ext uri="{BB962C8B-B14F-4D97-AF65-F5344CB8AC3E}">
-        <p14:creationId xmlns:p14="http://schemas.microsoft.com/office/powerpoint/2010/main" val="218800186"/>
       </p:ext>
     </p:extLst>
   </p:cSld>
